--- a/Documents/pres.pptx
+++ b/Documents/pres.pptx
@@ -5,7 +5,7 @@
     <p:sldMasterId id="2147483648" r:id="rId1"/>
   </p:sldMasterIdLst>
   <p:notesMasterIdLst>
-    <p:notesMasterId r:id="rId16"/>
+    <p:notesMasterId r:id="rId17"/>
   </p:notesMasterIdLst>
   <p:sldIdLst>
     <p:sldId id="256" r:id="rId2"/>
@@ -16,12 +16,13 @@
     <p:sldId id="261" r:id="rId7"/>
     <p:sldId id="262" r:id="rId8"/>
     <p:sldId id="265" r:id="rId9"/>
-    <p:sldId id="263" r:id="rId10"/>
-    <p:sldId id="268" r:id="rId11"/>
-    <p:sldId id="269" r:id="rId12"/>
-    <p:sldId id="270" r:id="rId13"/>
-    <p:sldId id="266" r:id="rId14"/>
-    <p:sldId id="267" r:id="rId15"/>
+    <p:sldId id="271" r:id="rId10"/>
+    <p:sldId id="263" r:id="rId11"/>
+    <p:sldId id="268" r:id="rId12"/>
+    <p:sldId id="269" r:id="rId13"/>
+    <p:sldId id="270" r:id="rId14"/>
+    <p:sldId id="266" r:id="rId15"/>
+    <p:sldId id="267" r:id="rId16"/>
   </p:sldIdLst>
   <p:sldSz cx="12192000" cy="6858000"/>
   <p:notesSz cx="6858000" cy="9144000"/>
@@ -521,18 +522,7 @@
           <a:bodyPr/>
           <a:lstStyle/>
           <a:p>
-            <a:r>
-              <a:rPr lang="ru-RU" dirty="0"/>
-              <a:t>Здравствуйте,  я Борисов Александр и расскажу про разработку решения по автоматическому обнаружению соответствий для алгоритма </a:t>
-            </a:r>
-            <a:r>
-              <a:rPr lang="ru-RU" dirty="0" err="1"/>
-              <a:t>неригидной</a:t>
-            </a:r>
-            <a:r>
-              <a:rPr lang="ru-RU" dirty="0"/>
-              <a:t> регистрации</a:t>
-            </a:r>
+            <a:endParaRPr lang="ru-RU" dirty="0"/>
           </a:p>
         </p:txBody>
       </p:sp>
@@ -795,7 +785,7 @@
             <a:spLocks noGrp="1"/>
           </p:cNvSpPr>
           <p:nvPr>
-            <p:ph type="sldNum" sz="quarter" idx="10"/>
+            <p:ph type="sldNum" sz="quarter" idx="5"/>
           </p:nvPr>
         </p:nvSpPr>
         <p:spPr/>
@@ -805,7 +795,7 @@
           <a:p>
             <a:fld id="{E90A0D77-6E77-4B19-91DA-D9EE2A792D73}" type="slidenum">
               <a:rPr lang="ru-RU" smtClean="0"/>
-              <a:t>10</a:t>
+              <a:t>8</a:t>
             </a:fld>
             <a:endParaRPr lang="ru-RU"/>
           </a:p>
@@ -814,7 +804,7 @@
     </p:spTree>
     <p:extLst>
       <p:ext uri="{BB962C8B-B14F-4D97-AF65-F5344CB8AC3E}">
-        <p14:creationId xmlns:p14="http://schemas.microsoft.com/office/powerpoint/2010/main" val="1653830184"/>
+        <p14:creationId xmlns:p14="http://schemas.microsoft.com/office/powerpoint/2010/main" val="906524841"/>
       </p:ext>
     </p:extLst>
   </p:cSld>
@@ -898,7 +888,7 @@
     </p:spTree>
     <p:extLst>
       <p:ext uri="{BB962C8B-B14F-4D97-AF65-F5344CB8AC3E}">
-        <p14:creationId xmlns:p14="http://schemas.microsoft.com/office/powerpoint/2010/main" val="2079941625"/>
+        <p14:creationId xmlns:p14="http://schemas.microsoft.com/office/powerpoint/2010/main" val="1653830184"/>
       </p:ext>
     </p:extLst>
   </p:cSld>
@@ -982,7 +972,7 @@
     </p:spTree>
     <p:extLst>
       <p:ext uri="{BB962C8B-B14F-4D97-AF65-F5344CB8AC3E}">
-        <p14:creationId xmlns:p14="http://schemas.microsoft.com/office/powerpoint/2010/main" val="4163295968"/>
+        <p14:creationId xmlns:p14="http://schemas.microsoft.com/office/powerpoint/2010/main" val="2079941625"/>
       </p:ext>
     </p:extLst>
   </p:cSld>
@@ -1036,18 +1026,7 @@
           <a:bodyPr/>
           <a:lstStyle/>
           <a:p>
-            <a:r>
-              <a:rPr lang="ru-RU" dirty="0"/>
-              <a:t>Здравствуйте,  я Борисов Александр и расскажу про разработку решения по автоматическому обнаружению соответствий для алгоритма </a:t>
-            </a:r>
-            <a:r>
-              <a:rPr lang="ru-RU" dirty="0" err="1"/>
-              <a:t>неригидной</a:t>
-            </a:r>
-            <a:r>
-              <a:rPr lang="ru-RU" dirty="0"/>
-              <a:t> регистрации</a:t>
-            </a:r>
+            <a:endParaRPr lang="ru-RU" dirty="0"/>
           </a:p>
         </p:txBody>
       </p:sp>
@@ -1058,7 +1037,7 @@
             <a:spLocks noGrp="1"/>
           </p:cNvSpPr>
           <p:nvPr>
-            <p:ph type="sldNum" sz="quarter" idx="5"/>
+            <p:ph type="sldNum" sz="quarter" idx="10"/>
           </p:nvPr>
         </p:nvSpPr>
         <p:spPr/>
@@ -1068,7 +1047,91 @@
           <a:p>
             <a:fld id="{E90A0D77-6E77-4B19-91DA-D9EE2A792D73}" type="slidenum">
               <a:rPr lang="ru-RU" smtClean="0"/>
-              <a:t>14</a:t>
+              <a:t>13</a:t>
+            </a:fld>
+            <a:endParaRPr lang="ru-RU"/>
+          </a:p>
+        </p:txBody>
+      </p:sp>
+    </p:spTree>
+    <p:extLst>
+      <p:ext uri="{BB962C8B-B14F-4D97-AF65-F5344CB8AC3E}">
+        <p14:creationId xmlns:p14="http://schemas.microsoft.com/office/powerpoint/2010/main" val="4163295968"/>
+      </p:ext>
+    </p:extLst>
+  </p:cSld>
+  <p:clrMapOvr>
+    <a:masterClrMapping/>
+  </p:clrMapOvr>
+</p:notes>
+</file>
+
+<file path=ppt/notesSlides/notesSlide8.xml><?xml version="1.0" encoding="utf-8"?>
+<p:notes xmlns:a="http://schemas.openxmlformats.org/drawingml/2006/main" xmlns:r="http://schemas.openxmlformats.org/officeDocument/2006/relationships" xmlns:p="http://schemas.openxmlformats.org/presentationml/2006/main">
+  <p:cSld>
+    <p:spTree>
+      <p:nvGrpSpPr>
+        <p:cNvPr id="1" name=""/>
+        <p:cNvGrpSpPr/>
+        <p:nvPr/>
+      </p:nvGrpSpPr>
+      <p:grpSpPr>
+        <a:xfrm>
+          <a:off x="0" y="0"/>
+          <a:ext cx="0" cy="0"/>
+          <a:chOff x="0" y="0"/>
+          <a:chExt cx="0" cy="0"/>
+        </a:xfrm>
+      </p:grpSpPr>
+      <p:sp>
+        <p:nvSpPr>
+          <p:cNvPr id="2" name="Образ слайда 1"/>
+          <p:cNvSpPr>
+            <a:spLocks noGrp="1" noRot="1" noChangeAspect="1"/>
+          </p:cNvSpPr>
+          <p:nvPr>
+            <p:ph type="sldImg"/>
+          </p:nvPr>
+        </p:nvSpPr>
+        <p:spPr/>
+      </p:sp>
+      <p:sp>
+        <p:nvSpPr>
+          <p:cNvPr id="3" name="Заметки 2"/>
+          <p:cNvSpPr>
+            <a:spLocks noGrp="1"/>
+          </p:cNvSpPr>
+          <p:nvPr>
+            <p:ph type="body" idx="1"/>
+          </p:nvPr>
+        </p:nvSpPr>
+        <p:spPr/>
+        <p:txBody>
+          <a:bodyPr/>
+          <a:lstStyle/>
+          <a:p>
+            <a:endParaRPr lang="ru-RU" dirty="0"/>
+          </a:p>
+        </p:txBody>
+      </p:sp>
+      <p:sp>
+        <p:nvSpPr>
+          <p:cNvPr id="4" name="Номер слайда 3"/>
+          <p:cNvSpPr>
+            <a:spLocks noGrp="1"/>
+          </p:cNvSpPr>
+          <p:nvPr>
+            <p:ph type="sldNum" sz="quarter" idx="5"/>
+          </p:nvPr>
+        </p:nvSpPr>
+        <p:spPr/>
+        <p:txBody>
+          <a:bodyPr/>
+          <a:lstStyle/>
+          <a:p>
+            <a:fld id="{E90A0D77-6E77-4B19-91DA-D9EE2A792D73}" type="slidenum">
+              <a:rPr lang="ru-RU" smtClean="0"/>
+              <a:t>15</a:t>
             </a:fld>
             <a:endParaRPr lang="ru-RU"/>
           </a:p>
@@ -4532,41 +4595,12 @@
           <a:chExt cx="0" cy="0"/>
         </a:xfrm>
       </p:grpSpPr>
-      <p:pic>
-        <p:nvPicPr>
-          <p:cNvPr id="2" name="Объект 1"/>
-          <p:cNvPicPr>
-            <a:picLocks noGrp="1" noChangeAspect="1"/>
-          </p:cNvPicPr>
-          <p:nvPr>
-            <p:ph idx="1"/>
-          </p:nvPr>
-        </p:nvPicPr>
-        <p:blipFill>
-          <a:blip r:embed="rId3">
-            <a:extLst>
-              <a:ext uri="{28A0092B-C50C-407E-A947-70E740481C1C}">
-                <a14:useLocalDpi xmlns:a14="http://schemas.microsoft.com/office/drawing/2010/main" val="0"/>
-              </a:ext>
-            </a:extLst>
-          </a:blip>
-          <a:stretch>
-            <a:fillRect/>
-          </a:stretch>
-        </p:blipFill>
-        <p:spPr>
-          <a:xfrm>
-            <a:off x="4330460" y="862556"/>
-            <a:ext cx="3295291" cy="5858297"/>
-          </a:xfrm>
-        </p:spPr>
-      </p:pic>
       <p:sp>
         <p:nvSpPr>
           <p:cNvPr id="4" name="Номер слайда 3">
             <a:extLst>
               <a:ext uri="{FF2B5EF4-FFF2-40B4-BE49-F238E27FC236}">
-                <a16:creationId xmlns:a16="http://schemas.microsoft.com/office/drawing/2014/main" id="{074BFA57-79CE-4F4E-88B1-B62C99966D38}"/>
+                <a16:creationId xmlns:a16="http://schemas.microsoft.com/office/drawing/2014/main" id="{2F0B5337-88E9-41A3-98AB-5056D5C15417}"/>
               </a:ext>
             </a:extLst>
           </p:cNvPr>
@@ -4596,7 +4630,7 @@
           <p:cNvPr id="7" name="Заголовок 1">
             <a:extLst>
               <a:ext uri="{FF2B5EF4-FFF2-40B4-BE49-F238E27FC236}">
-                <a16:creationId xmlns:a16="http://schemas.microsoft.com/office/drawing/2014/main" id="{30E2D420-3AC6-433C-B6A1-595DD945B07A}"/>
+                <a16:creationId xmlns:a16="http://schemas.microsoft.com/office/drawing/2014/main" id="{1458E964-F749-48CB-AF06-47F78040F597}"/>
               </a:ext>
             </a:extLst>
           </p:cNvPr>
@@ -4639,16 +4673,473 @@
           </a:lstStyle>
           <a:p>
             <a:r>
-              <a:rPr lang="ru-RU" dirty="0"/>
-              <a:t>Реализация. Главный экран.</a:t>
-            </a:r>
+              <a:rPr lang="ru-RU" dirty="0">
+                <a:latin typeface="Times New Roman" panose="02020603050405020304" pitchFamily="18" charset="0"/>
+                <a:cs typeface="Times New Roman" panose="02020603050405020304" pitchFamily="18" charset="0"/>
+              </a:rPr>
+              <a:t>План тестирования</a:t>
+            </a:r>
+          </a:p>
+        </p:txBody>
+      </p:sp>
+      <p:sp>
+        <p:nvSpPr>
+          <p:cNvPr id="9" name="Прямоугольник 8">
+            <a:extLst>
+              <a:ext uri="{FF2B5EF4-FFF2-40B4-BE49-F238E27FC236}">
+                <a16:creationId xmlns:a16="http://schemas.microsoft.com/office/drawing/2014/main" id="{BE4B1956-C32B-4221-AE2D-9D1AE58F8029}"/>
+              </a:ext>
+            </a:extLst>
+          </p:cNvPr>
+          <p:cNvSpPr/>
+          <p:nvPr/>
+        </p:nvSpPr>
+        <p:spPr>
+          <a:xfrm>
+            <a:off x="425986" y="966682"/>
+            <a:ext cx="6096000" cy="1953868"/>
+          </a:xfrm>
+          <a:prstGeom prst="rect">
+            <a:avLst/>
+          </a:prstGeom>
+        </p:spPr>
+        <p:txBody>
+          <a:bodyPr>
+            <a:spAutoFit/>
+          </a:bodyPr>
+          <a:lstStyle/>
+          <a:p>
+            <a:pPr marL="342900" lvl="0" indent="-342900" algn="just">
+              <a:lnSpc>
+                <a:spcPct val="150000"/>
+              </a:lnSpc>
+              <a:spcAft>
+                <a:spcPts val="0"/>
+              </a:spcAft>
+              <a:buFont typeface="Symbol" panose="05050102010706020507" pitchFamily="18" charset="2"/>
+              <a:buChar char=""/>
+            </a:pPr>
+            <a:r>
+              <a:rPr lang="ru-RU" sz="2800" dirty="0">
+                <a:latin typeface="Times New Roman" panose="02020603050405020304" pitchFamily="18" charset="0"/>
+                <a:ea typeface="Times New Roman" panose="02020603050405020304" pitchFamily="18" charset="0"/>
+              </a:rPr>
+              <a:t>Дымовое тестирование</a:t>
+            </a:r>
+          </a:p>
+          <a:p>
+            <a:pPr marL="342900" lvl="0" indent="-342900" algn="just">
+              <a:lnSpc>
+                <a:spcPct val="150000"/>
+              </a:lnSpc>
+              <a:spcAft>
+                <a:spcPts val="0"/>
+              </a:spcAft>
+              <a:buFont typeface="Symbol" panose="05050102010706020507" pitchFamily="18" charset="2"/>
+              <a:buChar char=""/>
+            </a:pPr>
+            <a:r>
+              <a:rPr lang="en-US" sz="2800" dirty="0">
+                <a:latin typeface="Times New Roman" panose="02020603050405020304" pitchFamily="18" charset="0"/>
+                <a:ea typeface="Times New Roman" panose="02020603050405020304" pitchFamily="18" charset="0"/>
+              </a:rPr>
+              <a:t>UI</a:t>
+            </a:r>
+            <a:r>
+              <a:rPr lang="ru-RU" sz="2800" dirty="0">
+                <a:latin typeface="Times New Roman" panose="02020603050405020304" pitchFamily="18" charset="0"/>
+                <a:ea typeface="Times New Roman" panose="02020603050405020304" pitchFamily="18" charset="0"/>
+              </a:rPr>
+              <a:t> тесты</a:t>
+            </a:r>
+          </a:p>
+          <a:p>
+            <a:pPr marL="342900" lvl="0" indent="-342900" algn="just">
+              <a:lnSpc>
+                <a:spcPct val="150000"/>
+              </a:lnSpc>
+              <a:spcAft>
+                <a:spcPts val="1000"/>
+              </a:spcAft>
+              <a:buFont typeface="Symbol" panose="05050102010706020507" pitchFamily="18" charset="2"/>
+              <a:buChar char=""/>
+            </a:pPr>
+            <a:r>
+              <a:rPr lang="ru-RU" sz="2800" dirty="0">
+                <a:latin typeface="Times New Roman" panose="02020603050405020304" pitchFamily="18" charset="0"/>
+                <a:ea typeface="Times New Roman" panose="02020603050405020304" pitchFamily="18" charset="0"/>
+              </a:rPr>
+              <a:t>Юзабилити тесты</a:t>
+            </a:r>
+          </a:p>
+        </p:txBody>
+      </p:sp>
+      <p:sp>
+        <p:nvSpPr>
+          <p:cNvPr id="10" name="Прямоугольник 9">
+            <a:extLst>
+              <a:ext uri="{FF2B5EF4-FFF2-40B4-BE49-F238E27FC236}">
+                <a16:creationId xmlns:a16="http://schemas.microsoft.com/office/drawing/2014/main" id="{AED16B57-BD0D-4EC7-A94D-B794B0975A8D}"/>
+              </a:ext>
+            </a:extLst>
+          </p:cNvPr>
+          <p:cNvSpPr/>
+          <p:nvPr/>
+        </p:nvSpPr>
+        <p:spPr>
+          <a:xfrm>
+            <a:off x="5381741" y="1034597"/>
+            <a:ext cx="6096000" cy="6052426"/>
+          </a:xfrm>
+          <a:prstGeom prst="rect">
+            <a:avLst/>
+          </a:prstGeom>
+        </p:spPr>
+        <p:txBody>
+          <a:bodyPr>
+            <a:spAutoFit/>
+          </a:bodyPr>
+          <a:lstStyle/>
+          <a:p>
+            <a:pPr lvl="0" algn="just">
+              <a:lnSpc>
+                <a:spcPct val="150000"/>
+              </a:lnSpc>
+              <a:spcAft>
+                <a:spcPts val="0"/>
+              </a:spcAft>
+            </a:pPr>
+            <a:r>
+              <a:rPr lang="ru-RU" sz="2800" dirty="0">
+                <a:latin typeface="Times New Roman" panose="02020603050405020304" pitchFamily="18" charset="0"/>
+                <a:ea typeface="Times New Roman" panose="02020603050405020304" pitchFamily="18" charset="0"/>
+              </a:rPr>
+              <a:t>Основные сценарии</a:t>
+            </a:r>
+            <a:r>
+              <a:rPr lang="en-US" sz="2800" dirty="0">
+                <a:latin typeface="Times New Roman" panose="02020603050405020304" pitchFamily="18" charset="0"/>
+                <a:ea typeface="Times New Roman" panose="02020603050405020304" pitchFamily="18" charset="0"/>
+              </a:rPr>
+              <a:t>:</a:t>
+            </a:r>
+          </a:p>
+          <a:p>
+            <a:pPr marL="342900" lvl="0" indent="-342900" algn="just">
+              <a:lnSpc>
+                <a:spcPct val="150000"/>
+              </a:lnSpc>
+              <a:spcAft>
+                <a:spcPts val="0"/>
+              </a:spcAft>
+              <a:buFont typeface="Symbol" panose="05050102010706020507" pitchFamily="18" charset="2"/>
+              <a:buChar char=""/>
+            </a:pPr>
+            <a:r>
+              <a:rPr lang="ru-RU" sz="2000" dirty="0">
+                <a:latin typeface="Times New Roman" panose="02020603050405020304" pitchFamily="18" charset="0"/>
+                <a:ea typeface="Times New Roman" panose="02020603050405020304" pitchFamily="18" charset="0"/>
+              </a:rPr>
+              <a:t>Добавление доходов</a:t>
+            </a:r>
+            <a:r>
+              <a:rPr lang="en-US" sz="2000" dirty="0">
+                <a:latin typeface="Times New Roman" panose="02020603050405020304" pitchFamily="18" charset="0"/>
+                <a:ea typeface="Times New Roman" panose="02020603050405020304" pitchFamily="18" charset="0"/>
+              </a:rPr>
+              <a:t>;</a:t>
+            </a:r>
+            <a:endParaRPr lang="ru-RU" sz="2000" dirty="0">
+              <a:latin typeface="Times New Roman" panose="02020603050405020304" pitchFamily="18" charset="0"/>
+              <a:ea typeface="Times New Roman" panose="02020603050405020304" pitchFamily="18" charset="0"/>
+            </a:endParaRPr>
+          </a:p>
+          <a:p>
+            <a:pPr marL="342900" lvl="0" indent="-342900" algn="just">
+              <a:lnSpc>
+                <a:spcPct val="150000"/>
+              </a:lnSpc>
+              <a:spcAft>
+                <a:spcPts val="0"/>
+              </a:spcAft>
+              <a:buFont typeface="Symbol" panose="05050102010706020507" pitchFamily="18" charset="2"/>
+              <a:buChar char=""/>
+            </a:pPr>
+            <a:r>
+              <a:rPr lang="ru-RU" sz="2000" dirty="0">
+                <a:latin typeface="Times New Roman" panose="02020603050405020304" pitchFamily="18" charset="0"/>
+                <a:ea typeface="Times New Roman" panose="02020603050405020304" pitchFamily="18" charset="0"/>
+              </a:rPr>
+              <a:t>Удаление доходов</a:t>
+            </a:r>
+            <a:r>
+              <a:rPr lang="en-US" sz="2000" dirty="0">
+                <a:latin typeface="Times New Roman" panose="02020603050405020304" pitchFamily="18" charset="0"/>
+                <a:ea typeface="Times New Roman" panose="02020603050405020304" pitchFamily="18" charset="0"/>
+              </a:rPr>
+              <a:t>;</a:t>
+            </a:r>
+            <a:endParaRPr lang="ru-RU" sz="2000" dirty="0">
+              <a:latin typeface="Times New Roman" panose="02020603050405020304" pitchFamily="18" charset="0"/>
+              <a:ea typeface="Times New Roman" panose="02020603050405020304" pitchFamily="18" charset="0"/>
+            </a:endParaRPr>
+          </a:p>
+          <a:p>
+            <a:pPr marL="342900" lvl="0" indent="-342900" algn="just">
+              <a:lnSpc>
+                <a:spcPct val="150000"/>
+              </a:lnSpc>
+              <a:spcAft>
+                <a:spcPts val="0"/>
+              </a:spcAft>
+              <a:buFont typeface="Symbol" panose="05050102010706020507" pitchFamily="18" charset="2"/>
+              <a:buChar char=""/>
+            </a:pPr>
+            <a:r>
+              <a:rPr lang="ru-RU" sz="2000" dirty="0">
+                <a:latin typeface="Times New Roman" panose="02020603050405020304" pitchFamily="18" charset="0"/>
+                <a:ea typeface="Times New Roman" panose="02020603050405020304" pitchFamily="18" charset="0"/>
+              </a:rPr>
+              <a:t>Добавление расходов</a:t>
+            </a:r>
+            <a:r>
+              <a:rPr lang="en-US" sz="2000" dirty="0">
+                <a:latin typeface="Times New Roman" panose="02020603050405020304" pitchFamily="18" charset="0"/>
+                <a:ea typeface="Times New Roman" panose="02020603050405020304" pitchFamily="18" charset="0"/>
+              </a:rPr>
+              <a:t>;</a:t>
+            </a:r>
+            <a:endParaRPr lang="ru-RU" sz="2000" dirty="0">
+              <a:latin typeface="Times New Roman" panose="02020603050405020304" pitchFamily="18" charset="0"/>
+              <a:ea typeface="Times New Roman" panose="02020603050405020304" pitchFamily="18" charset="0"/>
+            </a:endParaRPr>
+          </a:p>
+          <a:p>
+            <a:pPr marL="342900" lvl="0" indent="-342900" algn="just">
+              <a:lnSpc>
+                <a:spcPct val="150000"/>
+              </a:lnSpc>
+              <a:spcAft>
+                <a:spcPts val="0"/>
+              </a:spcAft>
+              <a:buFont typeface="Symbol" panose="05050102010706020507" pitchFamily="18" charset="2"/>
+              <a:buChar char=""/>
+            </a:pPr>
+            <a:r>
+              <a:rPr lang="ru-RU" sz="2000" dirty="0">
+                <a:latin typeface="Times New Roman" panose="02020603050405020304" pitchFamily="18" charset="0"/>
+                <a:ea typeface="Times New Roman" panose="02020603050405020304" pitchFamily="18" charset="0"/>
+              </a:rPr>
+              <a:t>Удаление расходов</a:t>
+            </a:r>
+            <a:r>
+              <a:rPr lang="en-US" sz="2000" dirty="0">
+                <a:latin typeface="Times New Roman" panose="02020603050405020304" pitchFamily="18" charset="0"/>
+                <a:ea typeface="Times New Roman" panose="02020603050405020304" pitchFamily="18" charset="0"/>
+              </a:rPr>
+              <a:t>;</a:t>
+            </a:r>
+            <a:endParaRPr lang="ru-RU" sz="2000" dirty="0">
+              <a:latin typeface="Times New Roman" panose="02020603050405020304" pitchFamily="18" charset="0"/>
+              <a:ea typeface="Times New Roman" panose="02020603050405020304" pitchFamily="18" charset="0"/>
+            </a:endParaRPr>
+          </a:p>
+          <a:p>
+            <a:pPr marL="342900" lvl="0" indent="-342900" algn="just">
+              <a:lnSpc>
+                <a:spcPct val="150000"/>
+              </a:lnSpc>
+              <a:spcAft>
+                <a:spcPts val="0"/>
+              </a:spcAft>
+              <a:buFont typeface="Symbol" panose="05050102010706020507" pitchFamily="18" charset="2"/>
+              <a:buChar char=""/>
+            </a:pPr>
+            <a:r>
+              <a:rPr lang="ru-RU" sz="2000" dirty="0">
+                <a:latin typeface="Times New Roman" panose="02020603050405020304" pitchFamily="18" charset="0"/>
+                <a:ea typeface="Times New Roman" panose="02020603050405020304" pitchFamily="18" charset="0"/>
+              </a:rPr>
+              <a:t>Добавление порога</a:t>
+            </a:r>
+            <a:r>
+              <a:rPr lang="en-US" sz="2000" dirty="0">
+                <a:latin typeface="Times New Roman" panose="02020603050405020304" pitchFamily="18" charset="0"/>
+                <a:ea typeface="Times New Roman" panose="02020603050405020304" pitchFamily="18" charset="0"/>
+              </a:rPr>
+              <a:t>;</a:t>
+            </a:r>
+            <a:endParaRPr lang="ru-RU" sz="2000" dirty="0">
+              <a:latin typeface="Times New Roman" panose="02020603050405020304" pitchFamily="18" charset="0"/>
+              <a:ea typeface="Times New Roman" panose="02020603050405020304" pitchFamily="18" charset="0"/>
+            </a:endParaRPr>
+          </a:p>
+          <a:p>
+            <a:pPr marL="342900" lvl="0" indent="-342900" algn="just">
+              <a:lnSpc>
+                <a:spcPct val="150000"/>
+              </a:lnSpc>
+              <a:spcAft>
+                <a:spcPts val="0"/>
+              </a:spcAft>
+              <a:buFont typeface="Symbol" panose="05050102010706020507" pitchFamily="18" charset="2"/>
+              <a:buChar char=""/>
+            </a:pPr>
+            <a:r>
+              <a:rPr lang="ru-RU" sz="2000" dirty="0">
+                <a:latin typeface="Times New Roman" panose="02020603050405020304" pitchFamily="18" charset="0"/>
+                <a:ea typeface="Times New Roman" panose="02020603050405020304" pitchFamily="18" charset="0"/>
+              </a:rPr>
+              <a:t>Удаление порога</a:t>
+            </a:r>
+            <a:r>
+              <a:rPr lang="en-US" sz="2000" dirty="0">
+                <a:latin typeface="Times New Roman" panose="02020603050405020304" pitchFamily="18" charset="0"/>
+                <a:ea typeface="Times New Roman" panose="02020603050405020304" pitchFamily="18" charset="0"/>
+              </a:rPr>
+              <a:t>;</a:t>
+            </a:r>
+            <a:endParaRPr lang="ru-RU" sz="2000" dirty="0">
+              <a:latin typeface="Times New Roman" panose="02020603050405020304" pitchFamily="18" charset="0"/>
+              <a:ea typeface="Times New Roman" panose="02020603050405020304" pitchFamily="18" charset="0"/>
+            </a:endParaRPr>
+          </a:p>
+          <a:p>
+            <a:pPr marL="342900" lvl="0" indent="-342900" algn="just">
+              <a:lnSpc>
+                <a:spcPct val="150000"/>
+              </a:lnSpc>
+              <a:spcAft>
+                <a:spcPts val="0"/>
+              </a:spcAft>
+              <a:buFont typeface="Symbol" panose="05050102010706020507" pitchFamily="18" charset="2"/>
+              <a:buChar char=""/>
+            </a:pPr>
+            <a:r>
+              <a:rPr lang="ru-RU" sz="2000" dirty="0">
+                <a:latin typeface="Times New Roman" panose="02020603050405020304" pitchFamily="18" charset="0"/>
+                <a:ea typeface="Times New Roman" panose="02020603050405020304" pitchFamily="18" charset="0"/>
+              </a:rPr>
+              <a:t>Проверка статистики</a:t>
+            </a:r>
+            <a:r>
+              <a:rPr lang="en-US" sz="2000" dirty="0">
+                <a:latin typeface="Times New Roman" panose="02020603050405020304" pitchFamily="18" charset="0"/>
+                <a:ea typeface="Times New Roman" panose="02020603050405020304" pitchFamily="18" charset="0"/>
+              </a:rPr>
+              <a:t>;</a:t>
+            </a:r>
+            <a:endParaRPr lang="ru-RU" sz="2000" dirty="0">
+              <a:latin typeface="Times New Roman" panose="02020603050405020304" pitchFamily="18" charset="0"/>
+              <a:ea typeface="Times New Roman" panose="02020603050405020304" pitchFamily="18" charset="0"/>
+            </a:endParaRPr>
+          </a:p>
+          <a:p>
+            <a:pPr marL="342900" lvl="0" indent="-342900" algn="just">
+              <a:lnSpc>
+                <a:spcPct val="150000"/>
+              </a:lnSpc>
+              <a:spcAft>
+                <a:spcPts val="0"/>
+              </a:spcAft>
+              <a:buFont typeface="Symbol" panose="05050102010706020507" pitchFamily="18" charset="2"/>
+              <a:buChar char=""/>
+            </a:pPr>
+            <a:r>
+              <a:rPr lang="ru-RU" sz="2000" dirty="0">
+                <a:latin typeface="Times New Roman" panose="02020603050405020304" pitchFamily="18" charset="0"/>
+                <a:ea typeface="Times New Roman" panose="02020603050405020304" pitchFamily="18" charset="0"/>
+              </a:rPr>
+              <a:t>Проверка работы порога</a:t>
+            </a:r>
+            <a:r>
+              <a:rPr lang="en-US" sz="2000" dirty="0">
+                <a:latin typeface="Times New Roman" panose="02020603050405020304" pitchFamily="18" charset="0"/>
+                <a:ea typeface="Times New Roman" panose="02020603050405020304" pitchFamily="18" charset="0"/>
+              </a:rPr>
+              <a:t>;</a:t>
+            </a:r>
+            <a:endParaRPr lang="ru-RU" sz="2000" dirty="0">
+              <a:latin typeface="Times New Roman" panose="02020603050405020304" pitchFamily="18" charset="0"/>
+              <a:ea typeface="Times New Roman" panose="02020603050405020304" pitchFamily="18" charset="0"/>
+            </a:endParaRPr>
+          </a:p>
+          <a:p>
+            <a:pPr marL="342900" lvl="0" indent="-342900" algn="just">
+              <a:lnSpc>
+                <a:spcPct val="150000"/>
+              </a:lnSpc>
+              <a:spcAft>
+                <a:spcPts val="0"/>
+              </a:spcAft>
+              <a:buFont typeface="Symbol" panose="05050102010706020507" pitchFamily="18" charset="2"/>
+              <a:buChar char=""/>
+            </a:pPr>
+            <a:r>
+              <a:rPr lang="ru-RU" sz="2000" dirty="0">
+                <a:latin typeface="Times New Roman" panose="02020603050405020304" pitchFamily="18" charset="0"/>
+                <a:ea typeface="Times New Roman" panose="02020603050405020304" pitchFamily="18" charset="0"/>
+              </a:rPr>
+              <a:t>Добавление категории</a:t>
+            </a:r>
+            <a:r>
+              <a:rPr lang="en-US" sz="2000" dirty="0">
+                <a:latin typeface="Times New Roman" panose="02020603050405020304" pitchFamily="18" charset="0"/>
+                <a:ea typeface="Times New Roman" panose="02020603050405020304" pitchFamily="18" charset="0"/>
+              </a:rPr>
+              <a:t>;</a:t>
+            </a:r>
+            <a:endParaRPr lang="ru-RU" sz="2000" dirty="0">
+              <a:latin typeface="Times New Roman" panose="02020603050405020304" pitchFamily="18" charset="0"/>
+              <a:ea typeface="Times New Roman" panose="02020603050405020304" pitchFamily="18" charset="0"/>
+            </a:endParaRPr>
+          </a:p>
+          <a:p>
+            <a:pPr marL="342900" lvl="0" indent="-342900" algn="just">
+              <a:lnSpc>
+                <a:spcPct val="150000"/>
+              </a:lnSpc>
+              <a:spcAft>
+                <a:spcPts val="1000"/>
+              </a:spcAft>
+              <a:buFont typeface="Symbol" panose="05050102010706020507" pitchFamily="18" charset="2"/>
+              <a:buChar char=""/>
+            </a:pPr>
+            <a:r>
+              <a:rPr lang="ru-RU" sz="2000" dirty="0">
+                <a:latin typeface="Times New Roman" panose="02020603050405020304" pitchFamily="18" charset="0"/>
+                <a:ea typeface="Times New Roman" panose="02020603050405020304" pitchFamily="18" charset="0"/>
+              </a:rPr>
+              <a:t>Удаление категории</a:t>
+            </a:r>
+            <a:r>
+              <a:rPr lang="en-US" sz="2000" dirty="0">
+                <a:latin typeface="Times New Roman" panose="02020603050405020304" pitchFamily="18" charset="0"/>
+                <a:ea typeface="Times New Roman" panose="02020603050405020304" pitchFamily="18" charset="0"/>
+              </a:rPr>
+              <a:t>.</a:t>
+            </a:r>
+          </a:p>
+          <a:p>
+            <a:pPr lvl="0" algn="just">
+              <a:lnSpc>
+                <a:spcPct val="150000"/>
+              </a:lnSpc>
+              <a:spcAft>
+                <a:spcPts val="0"/>
+              </a:spcAft>
+            </a:pPr>
+            <a:endParaRPr lang="ru-RU" sz="2800" dirty="0">
+              <a:latin typeface="Times New Roman" panose="02020603050405020304" pitchFamily="18" charset="0"/>
+              <a:ea typeface="Times New Roman" panose="02020603050405020304" pitchFamily="18" charset="0"/>
+            </a:endParaRPr>
           </a:p>
         </p:txBody>
       </p:sp>
     </p:spTree>
     <p:extLst>
       <p:ext uri="{BB962C8B-B14F-4D97-AF65-F5344CB8AC3E}">
-        <p14:creationId xmlns:p14="http://schemas.microsoft.com/office/powerpoint/2010/main" val="1775838724"/>
+        <p14:creationId xmlns:p14="http://schemas.microsoft.com/office/powerpoint/2010/main" val="1834063824"/>
       </p:ext>
     </p:extLst>
   </p:cSld>
@@ -4675,6 +5166,35 @@
           <a:chExt cx="0" cy="0"/>
         </a:xfrm>
       </p:grpSpPr>
+      <p:pic>
+        <p:nvPicPr>
+          <p:cNvPr id="2" name="Объект 1"/>
+          <p:cNvPicPr>
+            <a:picLocks noGrp="1" noChangeAspect="1"/>
+          </p:cNvPicPr>
+          <p:nvPr>
+            <p:ph idx="1"/>
+          </p:nvPr>
+        </p:nvPicPr>
+        <p:blipFill>
+          <a:blip r:embed="rId3">
+            <a:extLst>
+              <a:ext uri="{28A0092B-C50C-407E-A947-70E740481C1C}">
+                <a14:useLocalDpi xmlns:a14="http://schemas.microsoft.com/office/drawing/2010/main" val="0"/>
+              </a:ext>
+            </a:extLst>
+          </a:blip>
+          <a:stretch>
+            <a:fillRect/>
+          </a:stretch>
+        </p:blipFill>
+        <p:spPr>
+          <a:xfrm>
+            <a:off x="4330460" y="862556"/>
+            <a:ext cx="3295291" cy="5858297"/>
+          </a:xfrm>
+        </p:spPr>
+      </p:pic>
       <p:sp>
         <p:nvSpPr>
           <p:cNvPr id="4" name="Номер слайда 3">
@@ -4700,6 +5220,120 @@
               <a:rPr lang="ru-RU" smtClean="0"/>
               <a:pPr/>
               <a:t>11</a:t>
+            </a:fld>
+            <a:endParaRPr lang="ru-RU" dirty="0"/>
+          </a:p>
+        </p:txBody>
+      </p:sp>
+      <p:sp>
+        <p:nvSpPr>
+          <p:cNvPr id="7" name="Заголовок 1">
+            <a:extLst>
+              <a:ext uri="{FF2B5EF4-FFF2-40B4-BE49-F238E27FC236}">
+                <a16:creationId xmlns:a16="http://schemas.microsoft.com/office/drawing/2014/main" id="{30E2D420-3AC6-433C-B6A1-595DD945B07A}"/>
+              </a:ext>
+            </a:extLst>
+          </p:cNvPr>
+          <p:cNvSpPr txBox="1">
+            <a:spLocks/>
+          </p:cNvSpPr>
+          <p:nvPr/>
+        </p:nvSpPr>
+        <p:spPr>
+          <a:xfrm>
+            <a:off x="425986" y="-193297"/>
+            <a:ext cx="10515600" cy="1325563"/>
+          </a:xfrm>
+          <a:prstGeom prst="rect">
+            <a:avLst/>
+          </a:prstGeom>
+        </p:spPr>
+        <p:txBody>
+          <a:bodyPr vert="horz" lIns="91440" tIns="45720" rIns="91440" bIns="45720" rtlCol="0" anchor="ctr">
+            <a:normAutofit/>
+          </a:bodyPr>
+          <a:lstStyle>
+            <a:lvl1pPr algn="l" defTabSz="914400" rtl="0" eaLnBrk="1" latinLnBrk="0" hangingPunct="1">
+              <a:lnSpc>
+                <a:spcPct val="90000"/>
+              </a:lnSpc>
+              <a:spcBef>
+                <a:spcPct val="0"/>
+              </a:spcBef>
+              <a:buNone/>
+              <a:defRPr sz="4400" kern="1200">
+                <a:solidFill>
+                  <a:schemeClr val="tx1"/>
+                </a:solidFill>
+                <a:latin typeface="+mj-lt"/>
+                <a:ea typeface="+mj-ea"/>
+                <a:cs typeface="+mj-cs"/>
+              </a:defRPr>
+            </a:lvl1pPr>
+          </a:lstStyle>
+          <a:p>
+            <a:r>
+              <a:rPr lang="ru-RU" dirty="0"/>
+              <a:t>Реализация. Главный экран.</a:t>
+            </a:r>
+          </a:p>
+        </p:txBody>
+      </p:sp>
+    </p:spTree>
+    <p:extLst>
+      <p:ext uri="{BB962C8B-B14F-4D97-AF65-F5344CB8AC3E}">
+        <p14:creationId xmlns:p14="http://schemas.microsoft.com/office/powerpoint/2010/main" val="1775838724"/>
+      </p:ext>
+    </p:extLst>
+  </p:cSld>
+  <p:clrMapOvr>
+    <a:masterClrMapping/>
+  </p:clrMapOvr>
+</p:sld>
+</file>
+
+<file path=ppt/slides/slide12.xml><?xml version="1.0" encoding="utf-8"?>
+<p:sld xmlns:a="http://schemas.openxmlformats.org/drawingml/2006/main" xmlns:r="http://schemas.openxmlformats.org/officeDocument/2006/relationships" xmlns:p="http://schemas.openxmlformats.org/presentationml/2006/main">
+  <p:cSld>
+    <p:spTree>
+      <p:nvGrpSpPr>
+        <p:cNvPr id="1" name=""/>
+        <p:cNvGrpSpPr/>
+        <p:nvPr/>
+      </p:nvGrpSpPr>
+      <p:grpSpPr>
+        <a:xfrm>
+          <a:off x="0" y="0"/>
+          <a:ext cx="0" cy="0"/>
+          <a:chOff x="0" y="0"/>
+          <a:chExt cx="0" cy="0"/>
+        </a:xfrm>
+      </p:grpSpPr>
+      <p:sp>
+        <p:nvSpPr>
+          <p:cNvPr id="4" name="Номер слайда 3">
+            <a:extLst>
+              <a:ext uri="{FF2B5EF4-FFF2-40B4-BE49-F238E27FC236}">
+                <a16:creationId xmlns:a16="http://schemas.microsoft.com/office/drawing/2014/main" id="{074BFA57-79CE-4F4E-88B1-B62C99966D38}"/>
+              </a:ext>
+            </a:extLst>
+          </p:cNvPr>
+          <p:cNvSpPr>
+            <a:spLocks noGrp="1"/>
+          </p:cNvSpPr>
+          <p:nvPr>
+            <p:ph type="sldNum" sz="quarter" idx="12"/>
+          </p:nvPr>
+        </p:nvSpPr>
+        <p:spPr/>
+        <p:txBody>
+          <a:bodyPr/>
+          <a:lstStyle/>
+          <a:p>
+            <a:fld id="{6B66F57F-3207-4756-A7A9-B0FDFA7502F8}" type="slidenum">
+              <a:rPr lang="ru-RU" smtClean="0"/>
+              <a:pPr/>
+              <a:t>12</a:t>
             </a:fld>
             <a:endParaRPr lang="ru-RU" dirty="0"/>
           </a:p>
@@ -4831,7 +5465,7 @@
 </p:sld>
 </file>
 
-<file path=ppt/slides/slide12.xml><?xml version="1.0" encoding="utf-8"?>
+<file path=ppt/slides/slide13.xml><?xml version="1.0" encoding="utf-8"?>
 <p:sld xmlns:a="http://schemas.openxmlformats.org/drawingml/2006/main" xmlns:r="http://schemas.openxmlformats.org/officeDocument/2006/relationships" xmlns:p="http://schemas.openxmlformats.org/presentationml/2006/main">
   <p:cSld>
     <p:spTree>
@@ -4872,7 +5506,7 @@
             <a:fld id="{6B66F57F-3207-4756-A7A9-B0FDFA7502F8}" type="slidenum">
               <a:rPr lang="ru-RU" smtClean="0"/>
               <a:pPr/>
-              <a:t>12</a:t>
+              <a:t>13</a:t>
             </a:fld>
             <a:endParaRPr lang="ru-RU" dirty="0"/>
           </a:p>
@@ -5034,7 +5668,7 @@
 </p:sld>
 </file>
 
-<file path=ppt/slides/slide13.xml><?xml version="1.0" encoding="utf-8"?>
+<file path=ppt/slides/slide14.xml><?xml version="1.0" encoding="utf-8"?>
 <p:sld xmlns:a="http://schemas.openxmlformats.org/drawingml/2006/main" xmlns:r="http://schemas.openxmlformats.org/officeDocument/2006/relationships" xmlns:p="http://schemas.openxmlformats.org/presentationml/2006/main">
   <p:cSld>
     <p:spTree>
@@ -5075,7 +5709,7 @@
             <a:fld id="{6B66F57F-3207-4756-A7A9-B0FDFA7502F8}" type="slidenum">
               <a:rPr lang="ru-RU" smtClean="0"/>
               <a:pPr/>
-              <a:t>13</a:t>
+              <a:t>14</a:t>
             </a:fld>
             <a:endParaRPr lang="ru-RU" dirty="0"/>
           </a:p>
@@ -5386,7 +6020,7 @@
 </p:sld>
 </file>
 
-<file path=ppt/slides/slide14.xml><?xml version="1.0" encoding="utf-8"?>
+<file path=ppt/slides/slide15.xml><?xml version="1.0" encoding="utf-8"?>
 <p:sld xmlns:a="http://schemas.openxmlformats.org/drawingml/2006/main" xmlns:r="http://schemas.openxmlformats.org/officeDocument/2006/relationships" xmlns:p="http://schemas.openxmlformats.org/presentationml/2006/main">
   <p:cSld>
     <p:spTree>
@@ -8021,13 +8655,21 @@
             <p:ph type="title"/>
           </p:nvPr>
         </p:nvSpPr>
-        <p:spPr/>
+        <p:spPr>
+          <a:xfrm>
+            <a:off x="364474" y="-187287"/>
+            <a:ext cx="10515600" cy="1325563"/>
+          </a:xfrm>
+        </p:spPr>
         <p:txBody>
           <a:bodyPr/>
           <a:lstStyle/>
           <a:p>
             <a:r>
-              <a:rPr lang="ru-RU" dirty="0"/>
+              <a:rPr lang="ru-RU" dirty="0">
+                <a:latin typeface="Times New Roman" panose="02020603050405020304" pitchFamily="18" charset="0"/>
+                <a:cs typeface="Times New Roman" panose="02020603050405020304" pitchFamily="18" charset="0"/>
+              </a:rPr>
               <a:t>Средства реализации</a:t>
             </a:r>
           </a:p>
@@ -8123,10 +8765,6 @@
           </a:p>
           <a:p>
             <a:pPr lvl="1"/>
-            <a:r>
-              <a:rPr lang="ru-RU" dirty="0"/>
-              <a:t>Развёрнута на облачной платформе </a:t>
-            </a:r>
             <a:r>
               <a:rPr lang="en-US" dirty="0"/>
               <a:t>Heroku</a:t>
@@ -8200,10 +8838,50 @@
       </p:grpSpPr>
       <p:sp>
         <p:nvSpPr>
+          <p:cNvPr id="2" name="Заголовок 1">
+            <a:extLst>
+              <a:ext uri="{FF2B5EF4-FFF2-40B4-BE49-F238E27FC236}">
+                <a16:creationId xmlns:a16="http://schemas.microsoft.com/office/drawing/2014/main" id="{646D2A0C-0F39-47E6-94A6-15096EA780FE}"/>
+              </a:ext>
+            </a:extLst>
+          </p:cNvPr>
+          <p:cNvSpPr>
+            <a:spLocks noGrp="1"/>
+          </p:cNvSpPr>
+          <p:nvPr>
+            <p:ph type="title"/>
+          </p:nvPr>
+        </p:nvSpPr>
+        <p:spPr>
+          <a:xfrm>
+            <a:off x="254306" y="112712"/>
+            <a:ext cx="10515600" cy="1325563"/>
+          </a:xfrm>
+        </p:spPr>
+        <p:txBody>
+          <a:bodyPr/>
+          <a:lstStyle/>
+          <a:p>
+            <a:r>
+              <a:rPr lang="en-US" dirty="0">
+                <a:latin typeface="Times New Roman" panose="02020603050405020304" pitchFamily="18" charset="0"/>
+                <a:cs typeface="Times New Roman" panose="02020603050405020304" pitchFamily="18" charset="0"/>
+              </a:rPr>
+              <a:t>Back-end</a:t>
+            </a:r>
+            <a:endParaRPr lang="ru-RU" dirty="0">
+              <a:latin typeface="Times New Roman" panose="02020603050405020304" pitchFamily="18" charset="0"/>
+              <a:cs typeface="Times New Roman" panose="02020603050405020304" pitchFamily="18" charset="0"/>
+            </a:endParaRPr>
+          </a:p>
+        </p:txBody>
+      </p:sp>
+      <p:sp>
+        <p:nvSpPr>
           <p:cNvPr id="4" name="Номер слайда 3">
             <a:extLst>
               <a:ext uri="{FF2B5EF4-FFF2-40B4-BE49-F238E27FC236}">
-                <a16:creationId xmlns:a16="http://schemas.microsoft.com/office/drawing/2014/main" id="{2F0B5337-88E9-41A3-98AB-5056D5C15417}"/>
+                <a16:creationId xmlns:a16="http://schemas.microsoft.com/office/drawing/2014/main" id="{825779E6-4366-4FA2-A0D1-28ADBBE6B3DE}"/>
               </a:ext>
             </a:extLst>
           </p:cNvPr>
@@ -8228,521 +8906,57 @@
           </a:p>
         </p:txBody>
       </p:sp>
-      <p:sp>
-        <p:nvSpPr>
-          <p:cNvPr id="7" name="Заголовок 1">
-            <a:extLst>
-              <a:ext uri="{FF2B5EF4-FFF2-40B4-BE49-F238E27FC236}">
-                <a16:creationId xmlns:a16="http://schemas.microsoft.com/office/drawing/2014/main" id="{1458E964-F749-48CB-AF06-47F78040F597}"/>
-              </a:ext>
-            </a:extLst>
-          </p:cNvPr>
-          <p:cNvSpPr txBox="1">
-            <a:spLocks/>
-          </p:cNvSpPr>
+      <p:pic>
+        <p:nvPicPr>
+          <p:cNvPr id="1026" name="Picture 2" descr="https://psv4.userapi.com/c848428/u264490079/docs/d12/7bd4aeec451c/logic.png?extra=FV0dkMUdOmNjLLEqro7wBChyM1k48toEKJYe1UwkRCaCuOzdy98qP9w5TB4XW_Bz0NbeEVS18ePHk5UluF6RkV7AE3FimEMv_vlPx2yz4BJBcDlvN5Xg4JjB2Ad-jW1qCDUCkdR93AVU-9lY5FGdvx323Q">
+            <a:extLst>
+              <a:ext uri="{FF2B5EF4-FFF2-40B4-BE49-F238E27FC236}">
+                <a16:creationId xmlns:a16="http://schemas.microsoft.com/office/drawing/2014/main" id="{C271B13F-DB01-49D4-88EB-84C99303F99D}"/>
+              </a:ext>
+            </a:extLst>
+          </p:cNvPr>
+          <p:cNvPicPr>
+            <a:picLocks noChangeAspect="1" noChangeArrowheads="1"/>
+          </p:cNvPicPr>
           <p:nvPr/>
-        </p:nvSpPr>
-        <p:spPr>
+        </p:nvPicPr>
+        <p:blipFill>
+          <a:blip r:embed="rId2">
+            <a:extLst>
+              <a:ext uri="{28A0092B-C50C-407E-A947-70E740481C1C}">
+                <a14:useLocalDpi xmlns:a14="http://schemas.microsoft.com/office/drawing/2010/main" val="0"/>
+              </a:ext>
+            </a:extLst>
+          </a:blip>
+          <a:srcRect/>
+          <a:stretch>
+            <a:fillRect/>
+          </a:stretch>
+        </p:blipFill>
+        <p:spPr bwMode="auto">
           <a:xfrm>
-            <a:off x="425986" y="-193297"/>
-            <a:ext cx="10515600" cy="1325563"/>
+            <a:off x="0" y="1438275"/>
+            <a:ext cx="12192000" cy="4918075"/>
           </a:xfrm>
           <a:prstGeom prst="rect">
             <a:avLst/>
           </a:prstGeom>
+          <a:noFill/>
+          <a:extLst>
+            <a:ext uri="{909E8E84-426E-40DD-AFC4-6F175D3DCCD1}">
+              <a14:hiddenFill xmlns:a14="http://schemas.microsoft.com/office/drawing/2010/main">
+                <a:solidFill>
+                  <a:srgbClr val="FFFFFF"/>
+                </a:solidFill>
+              </a14:hiddenFill>
+            </a:ext>
+          </a:extLst>
         </p:spPr>
-        <p:txBody>
-          <a:bodyPr vert="horz" lIns="91440" tIns="45720" rIns="91440" bIns="45720" rtlCol="0" anchor="ctr">
-            <a:normAutofit/>
-          </a:bodyPr>
-          <a:lstStyle>
-            <a:lvl1pPr algn="l" defTabSz="914400" rtl="0" eaLnBrk="1" latinLnBrk="0" hangingPunct="1">
-              <a:lnSpc>
-                <a:spcPct val="90000"/>
-              </a:lnSpc>
-              <a:spcBef>
-                <a:spcPct val="0"/>
-              </a:spcBef>
-              <a:buNone/>
-              <a:defRPr sz="4400" kern="1200">
-                <a:solidFill>
-                  <a:schemeClr val="tx1"/>
-                </a:solidFill>
-                <a:latin typeface="+mj-lt"/>
-                <a:ea typeface="+mj-ea"/>
-                <a:cs typeface="+mj-cs"/>
-              </a:defRPr>
-            </a:lvl1pPr>
-          </a:lstStyle>
-          <a:p>
-            <a:r>
-              <a:rPr lang="ru-RU" dirty="0">
-                <a:latin typeface="Times New Roman" panose="02020603050405020304" pitchFamily="18" charset="0"/>
-                <a:cs typeface="Times New Roman" panose="02020603050405020304" pitchFamily="18" charset="0"/>
-              </a:rPr>
-              <a:t>План тестирования</a:t>
-            </a:r>
-          </a:p>
-        </p:txBody>
-      </p:sp>
-      <p:sp>
-        <p:nvSpPr>
-          <p:cNvPr id="9" name="Прямоугольник 8">
-            <a:extLst>
-              <a:ext uri="{FF2B5EF4-FFF2-40B4-BE49-F238E27FC236}">
-                <a16:creationId xmlns:a16="http://schemas.microsoft.com/office/drawing/2014/main" id="{BE4B1956-C32B-4221-AE2D-9D1AE58F8029}"/>
-              </a:ext>
-            </a:extLst>
-          </p:cNvPr>
-          <p:cNvSpPr/>
-          <p:nvPr/>
-        </p:nvSpPr>
-        <p:spPr>
-          <a:xfrm>
-            <a:off x="425986" y="966682"/>
-            <a:ext cx="6096000" cy="1953868"/>
-          </a:xfrm>
-          <a:prstGeom prst="rect">
-            <a:avLst/>
-          </a:prstGeom>
-        </p:spPr>
-        <p:txBody>
-          <a:bodyPr>
-            <a:spAutoFit/>
-          </a:bodyPr>
-          <a:lstStyle/>
-          <a:p>
-            <a:pPr marL="342900" lvl="0" indent="-342900" algn="just">
-              <a:lnSpc>
-                <a:spcPct val="150000"/>
-              </a:lnSpc>
-              <a:spcAft>
-                <a:spcPts val="0"/>
-              </a:spcAft>
-              <a:buFont typeface="Symbol" panose="05050102010706020507" pitchFamily="18" charset="2"/>
-              <a:buChar char=""/>
-            </a:pPr>
-            <a:r>
-              <a:rPr lang="ru-RU" sz="2800" dirty="0">
-                <a:latin typeface="Times New Roman" panose="02020603050405020304" pitchFamily="18" charset="0"/>
-                <a:ea typeface="Times New Roman" panose="02020603050405020304" pitchFamily="18" charset="0"/>
-              </a:rPr>
-              <a:t>Дымовое тестирование</a:t>
-            </a:r>
-          </a:p>
-          <a:p>
-            <a:pPr marL="342900" lvl="0" indent="-342900" algn="just">
-              <a:lnSpc>
-                <a:spcPct val="150000"/>
-              </a:lnSpc>
-              <a:spcAft>
-                <a:spcPts val="0"/>
-              </a:spcAft>
-              <a:buFont typeface="Symbol" panose="05050102010706020507" pitchFamily="18" charset="2"/>
-              <a:buChar char=""/>
-            </a:pPr>
-            <a:r>
-              <a:rPr lang="en-US" sz="2800" dirty="0">
-                <a:latin typeface="Times New Roman" panose="02020603050405020304" pitchFamily="18" charset="0"/>
-                <a:ea typeface="Times New Roman" panose="02020603050405020304" pitchFamily="18" charset="0"/>
-              </a:rPr>
-              <a:t>UI</a:t>
-            </a:r>
-            <a:r>
-              <a:rPr lang="ru-RU" sz="2800" dirty="0">
-                <a:latin typeface="Times New Roman" panose="02020603050405020304" pitchFamily="18" charset="0"/>
-                <a:ea typeface="Times New Roman" panose="02020603050405020304" pitchFamily="18" charset="0"/>
-              </a:rPr>
-              <a:t> тесты</a:t>
-            </a:r>
-          </a:p>
-          <a:p>
-            <a:pPr marL="342900" lvl="0" indent="-342900" algn="just">
-              <a:lnSpc>
-                <a:spcPct val="150000"/>
-              </a:lnSpc>
-              <a:spcAft>
-                <a:spcPts val="1000"/>
-              </a:spcAft>
-              <a:buFont typeface="Symbol" panose="05050102010706020507" pitchFamily="18" charset="2"/>
-              <a:buChar char=""/>
-            </a:pPr>
-            <a:r>
-              <a:rPr lang="ru-RU" sz="2800" dirty="0">
-                <a:latin typeface="Times New Roman" panose="02020603050405020304" pitchFamily="18" charset="0"/>
-                <a:ea typeface="Times New Roman" panose="02020603050405020304" pitchFamily="18" charset="0"/>
-              </a:rPr>
-              <a:t>Юзабилити тесты</a:t>
-            </a:r>
-          </a:p>
-        </p:txBody>
-      </p:sp>
-      <p:sp>
-        <p:nvSpPr>
-          <p:cNvPr id="10" name="Прямоугольник 9">
-            <a:extLst>
-              <a:ext uri="{FF2B5EF4-FFF2-40B4-BE49-F238E27FC236}">
-                <a16:creationId xmlns:a16="http://schemas.microsoft.com/office/drawing/2014/main" id="{AED16B57-BD0D-4EC7-A94D-B794B0975A8D}"/>
-              </a:ext>
-            </a:extLst>
-          </p:cNvPr>
-          <p:cNvSpPr/>
-          <p:nvPr/>
-        </p:nvSpPr>
-        <p:spPr>
-          <a:xfrm>
-            <a:off x="5381741" y="1034597"/>
-            <a:ext cx="6096000" cy="6052426"/>
-          </a:xfrm>
-          <a:prstGeom prst="rect">
-            <a:avLst/>
-          </a:prstGeom>
-        </p:spPr>
-        <p:txBody>
-          <a:bodyPr>
-            <a:spAutoFit/>
-          </a:bodyPr>
-          <a:lstStyle/>
-          <a:p>
-            <a:pPr lvl="0" algn="just">
-              <a:lnSpc>
-                <a:spcPct val="150000"/>
-              </a:lnSpc>
-              <a:spcAft>
-                <a:spcPts val="0"/>
-              </a:spcAft>
-            </a:pPr>
-            <a:r>
-              <a:rPr lang="ru-RU" sz="2800" dirty="0">
-                <a:latin typeface="Times New Roman" panose="02020603050405020304" pitchFamily="18" charset="0"/>
-                <a:ea typeface="Times New Roman" panose="02020603050405020304" pitchFamily="18" charset="0"/>
-              </a:rPr>
-              <a:t>Основные сценарии</a:t>
-            </a:r>
-            <a:r>
-              <a:rPr lang="en-US" sz="2800" dirty="0">
-                <a:latin typeface="Times New Roman" panose="02020603050405020304" pitchFamily="18" charset="0"/>
-                <a:ea typeface="Times New Roman" panose="02020603050405020304" pitchFamily="18" charset="0"/>
-              </a:rPr>
-              <a:t>:</a:t>
-            </a:r>
-          </a:p>
-          <a:p>
-            <a:pPr marL="342900" lvl="0" indent="-342900" algn="just">
-              <a:lnSpc>
-                <a:spcPct val="150000"/>
-              </a:lnSpc>
-              <a:spcAft>
-                <a:spcPts val="0"/>
-              </a:spcAft>
-              <a:buFont typeface="Symbol" panose="05050102010706020507" pitchFamily="18" charset="2"/>
-              <a:buChar char=""/>
-            </a:pPr>
-            <a:r>
-              <a:rPr lang="ru-RU" sz="2000" dirty="0">
-                <a:latin typeface="Times New Roman" panose="02020603050405020304" pitchFamily="18" charset="0"/>
-                <a:ea typeface="Times New Roman" panose="02020603050405020304" pitchFamily="18" charset="0"/>
-              </a:rPr>
-              <a:t>Добавление доходов</a:t>
-            </a:r>
-            <a:r>
-              <a:rPr lang="en-US" sz="2000" dirty="0">
-                <a:latin typeface="Times New Roman" panose="02020603050405020304" pitchFamily="18" charset="0"/>
-                <a:ea typeface="Times New Roman" panose="02020603050405020304" pitchFamily="18" charset="0"/>
-              </a:rPr>
-              <a:t>;</a:t>
-            </a:r>
-            <a:endParaRPr lang="ru-RU" sz="2000" dirty="0">
-              <a:latin typeface="Times New Roman" panose="02020603050405020304" pitchFamily="18" charset="0"/>
-              <a:ea typeface="Times New Roman" panose="02020603050405020304" pitchFamily="18" charset="0"/>
-            </a:endParaRPr>
-          </a:p>
-          <a:p>
-            <a:pPr marL="342900" lvl="0" indent="-342900" algn="just">
-              <a:lnSpc>
-                <a:spcPct val="150000"/>
-              </a:lnSpc>
-              <a:spcAft>
-                <a:spcPts val="0"/>
-              </a:spcAft>
-              <a:buFont typeface="Symbol" panose="05050102010706020507" pitchFamily="18" charset="2"/>
-              <a:buChar char=""/>
-            </a:pPr>
-            <a:r>
-              <a:rPr lang="ru-RU" sz="2000" dirty="0">
-                <a:latin typeface="Times New Roman" panose="02020603050405020304" pitchFamily="18" charset="0"/>
-                <a:ea typeface="Times New Roman" panose="02020603050405020304" pitchFamily="18" charset="0"/>
-              </a:rPr>
-              <a:t>Удаление доходов</a:t>
-            </a:r>
-            <a:r>
-              <a:rPr lang="en-US" sz="2000" dirty="0">
-                <a:latin typeface="Times New Roman" panose="02020603050405020304" pitchFamily="18" charset="0"/>
-                <a:ea typeface="Times New Roman" panose="02020603050405020304" pitchFamily="18" charset="0"/>
-              </a:rPr>
-              <a:t>;</a:t>
-            </a:r>
-            <a:endParaRPr lang="ru-RU" sz="2000" dirty="0">
-              <a:latin typeface="Times New Roman" panose="02020603050405020304" pitchFamily="18" charset="0"/>
-              <a:ea typeface="Times New Roman" panose="02020603050405020304" pitchFamily="18" charset="0"/>
-            </a:endParaRPr>
-          </a:p>
-          <a:p>
-            <a:pPr marL="342900" lvl="0" indent="-342900" algn="just">
-              <a:lnSpc>
-                <a:spcPct val="150000"/>
-              </a:lnSpc>
-              <a:spcAft>
-                <a:spcPts val="0"/>
-              </a:spcAft>
-              <a:buFont typeface="Symbol" panose="05050102010706020507" pitchFamily="18" charset="2"/>
-              <a:buChar char=""/>
-            </a:pPr>
-            <a:r>
-              <a:rPr lang="ru-RU" sz="2000" dirty="0">
-                <a:latin typeface="Times New Roman" panose="02020603050405020304" pitchFamily="18" charset="0"/>
-                <a:ea typeface="Times New Roman" panose="02020603050405020304" pitchFamily="18" charset="0"/>
-              </a:rPr>
-              <a:t>Добавление расходов</a:t>
-            </a:r>
-            <a:r>
-              <a:rPr lang="en-US" sz="2000" dirty="0">
-                <a:latin typeface="Times New Roman" panose="02020603050405020304" pitchFamily="18" charset="0"/>
-                <a:ea typeface="Times New Roman" panose="02020603050405020304" pitchFamily="18" charset="0"/>
-              </a:rPr>
-              <a:t>;</a:t>
-            </a:r>
-            <a:endParaRPr lang="ru-RU" sz="2000" dirty="0">
-              <a:latin typeface="Times New Roman" panose="02020603050405020304" pitchFamily="18" charset="0"/>
-              <a:ea typeface="Times New Roman" panose="02020603050405020304" pitchFamily="18" charset="0"/>
-            </a:endParaRPr>
-          </a:p>
-          <a:p>
-            <a:pPr marL="342900" lvl="0" indent="-342900" algn="just">
-              <a:lnSpc>
-                <a:spcPct val="150000"/>
-              </a:lnSpc>
-              <a:spcAft>
-                <a:spcPts val="0"/>
-              </a:spcAft>
-              <a:buFont typeface="Symbol" panose="05050102010706020507" pitchFamily="18" charset="2"/>
-              <a:buChar char=""/>
-            </a:pPr>
-            <a:r>
-              <a:rPr lang="ru-RU" sz="2000" dirty="0">
-                <a:latin typeface="Times New Roman" panose="02020603050405020304" pitchFamily="18" charset="0"/>
-                <a:ea typeface="Times New Roman" panose="02020603050405020304" pitchFamily="18" charset="0"/>
-              </a:rPr>
-              <a:t>Удаление расходов</a:t>
-            </a:r>
-            <a:r>
-              <a:rPr lang="en-US" sz="2000" dirty="0">
-                <a:latin typeface="Times New Roman" panose="02020603050405020304" pitchFamily="18" charset="0"/>
-                <a:ea typeface="Times New Roman" panose="02020603050405020304" pitchFamily="18" charset="0"/>
-              </a:rPr>
-              <a:t>;</a:t>
-            </a:r>
-            <a:endParaRPr lang="ru-RU" sz="2000" dirty="0">
-              <a:latin typeface="Times New Roman" panose="02020603050405020304" pitchFamily="18" charset="0"/>
-              <a:ea typeface="Times New Roman" panose="02020603050405020304" pitchFamily="18" charset="0"/>
-            </a:endParaRPr>
-          </a:p>
-          <a:p>
-            <a:pPr marL="342900" lvl="0" indent="-342900" algn="just">
-              <a:lnSpc>
-                <a:spcPct val="150000"/>
-              </a:lnSpc>
-              <a:spcAft>
-                <a:spcPts val="0"/>
-              </a:spcAft>
-              <a:buFont typeface="Symbol" panose="05050102010706020507" pitchFamily="18" charset="2"/>
-              <a:buChar char=""/>
-            </a:pPr>
-            <a:r>
-              <a:rPr lang="ru-RU" sz="2000" dirty="0">
-                <a:latin typeface="Times New Roman" panose="02020603050405020304" pitchFamily="18" charset="0"/>
-                <a:ea typeface="Times New Roman" panose="02020603050405020304" pitchFamily="18" charset="0"/>
-              </a:rPr>
-              <a:t>Добавление порога</a:t>
-            </a:r>
-            <a:r>
-              <a:rPr lang="en-US" sz="2000" dirty="0">
-                <a:latin typeface="Times New Roman" panose="02020603050405020304" pitchFamily="18" charset="0"/>
-                <a:ea typeface="Times New Roman" panose="02020603050405020304" pitchFamily="18" charset="0"/>
-              </a:rPr>
-              <a:t>;</a:t>
-            </a:r>
-            <a:endParaRPr lang="ru-RU" sz="2000" dirty="0">
-              <a:latin typeface="Times New Roman" panose="02020603050405020304" pitchFamily="18" charset="0"/>
-              <a:ea typeface="Times New Roman" panose="02020603050405020304" pitchFamily="18" charset="0"/>
-            </a:endParaRPr>
-          </a:p>
-          <a:p>
-            <a:pPr marL="342900" lvl="0" indent="-342900" algn="just">
-              <a:lnSpc>
-                <a:spcPct val="150000"/>
-              </a:lnSpc>
-              <a:spcAft>
-                <a:spcPts val="0"/>
-              </a:spcAft>
-              <a:buFont typeface="Symbol" panose="05050102010706020507" pitchFamily="18" charset="2"/>
-              <a:buChar char=""/>
-            </a:pPr>
-            <a:r>
-              <a:rPr lang="ru-RU" sz="2000" dirty="0">
-                <a:latin typeface="Times New Roman" panose="02020603050405020304" pitchFamily="18" charset="0"/>
-                <a:ea typeface="Times New Roman" panose="02020603050405020304" pitchFamily="18" charset="0"/>
-              </a:rPr>
-              <a:t>Удаление порога</a:t>
-            </a:r>
-            <a:r>
-              <a:rPr lang="en-US" sz="2000" dirty="0">
-                <a:latin typeface="Times New Roman" panose="02020603050405020304" pitchFamily="18" charset="0"/>
-                <a:ea typeface="Times New Roman" panose="02020603050405020304" pitchFamily="18" charset="0"/>
-              </a:rPr>
-              <a:t>;</a:t>
-            </a:r>
-            <a:endParaRPr lang="ru-RU" sz="2000" dirty="0">
-              <a:latin typeface="Times New Roman" panose="02020603050405020304" pitchFamily="18" charset="0"/>
-              <a:ea typeface="Times New Roman" panose="02020603050405020304" pitchFamily="18" charset="0"/>
-            </a:endParaRPr>
-          </a:p>
-          <a:p>
-            <a:pPr marL="342900" lvl="0" indent="-342900" algn="just">
-              <a:lnSpc>
-                <a:spcPct val="150000"/>
-              </a:lnSpc>
-              <a:spcAft>
-                <a:spcPts val="0"/>
-              </a:spcAft>
-              <a:buFont typeface="Symbol" panose="05050102010706020507" pitchFamily="18" charset="2"/>
-              <a:buChar char=""/>
-            </a:pPr>
-            <a:r>
-              <a:rPr lang="ru-RU" sz="2000" dirty="0">
-                <a:latin typeface="Times New Roman" panose="02020603050405020304" pitchFamily="18" charset="0"/>
-                <a:ea typeface="Times New Roman" panose="02020603050405020304" pitchFamily="18" charset="0"/>
-              </a:rPr>
-              <a:t>Проверка статистики</a:t>
-            </a:r>
-            <a:r>
-              <a:rPr lang="en-US" sz="2000" dirty="0">
-                <a:latin typeface="Times New Roman" panose="02020603050405020304" pitchFamily="18" charset="0"/>
-                <a:ea typeface="Times New Roman" panose="02020603050405020304" pitchFamily="18" charset="0"/>
-              </a:rPr>
-              <a:t>;</a:t>
-            </a:r>
-            <a:endParaRPr lang="ru-RU" sz="2000" dirty="0">
-              <a:latin typeface="Times New Roman" panose="02020603050405020304" pitchFamily="18" charset="0"/>
-              <a:ea typeface="Times New Roman" panose="02020603050405020304" pitchFamily="18" charset="0"/>
-            </a:endParaRPr>
-          </a:p>
-          <a:p>
-            <a:pPr marL="342900" lvl="0" indent="-342900" algn="just">
-              <a:lnSpc>
-                <a:spcPct val="150000"/>
-              </a:lnSpc>
-              <a:spcAft>
-                <a:spcPts val="0"/>
-              </a:spcAft>
-              <a:buFont typeface="Symbol" panose="05050102010706020507" pitchFamily="18" charset="2"/>
-              <a:buChar char=""/>
-            </a:pPr>
-            <a:r>
-              <a:rPr lang="ru-RU" sz="2000" dirty="0">
-                <a:latin typeface="Times New Roman" panose="02020603050405020304" pitchFamily="18" charset="0"/>
-                <a:ea typeface="Times New Roman" panose="02020603050405020304" pitchFamily="18" charset="0"/>
-              </a:rPr>
-              <a:t>Проверка работы порога</a:t>
-            </a:r>
-            <a:r>
-              <a:rPr lang="en-US" sz="2000" dirty="0">
-                <a:latin typeface="Times New Roman" panose="02020603050405020304" pitchFamily="18" charset="0"/>
-                <a:ea typeface="Times New Roman" panose="02020603050405020304" pitchFamily="18" charset="0"/>
-              </a:rPr>
-              <a:t>;</a:t>
-            </a:r>
-            <a:endParaRPr lang="ru-RU" sz="2000" dirty="0">
-              <a:latin typeface="Times New Roman" panose="02020603050405020304" pitchFamily="18" charset="0"/>
-              <a:ea typeface="Times New Roman" panose="02020603050405020304" pitchFamily="18" charset="0"/>
-            </a:endParaRPr>
-          </a:p>
-          <a:p>
-            <a:pPr marL="342900" lvl="0" indent="-342900" algn="just">
-              <a:lnSpc>
-                <a:spcPct val="150000"/>
-              </a:lnSpc>
-              <a:spcAft>
-                <a:spcPts val="0"/>
-              </a:spcAft>
-              <a:buFont typeface="Symbol" panose="05050102010706020507" pitchFamily="18" charset="2"/>
-              <a:buChar char=""/>
-            </a:pPr>
-            <a:r>
-              <a:rPr lang="ru-RU" sz="2000" dirty="0">
-                <a:latin typeface="Times New Roman" panose="02020603050405020304" pitchFamily="18" charset="0"/>
-                <a:ea typeface="Times New Roman" panose="02020603050405020304" pitchFamily="18" charset="0"/>
-              </a:rPr>
-              <a:t>Добавление категории</a:t>
-            </a:r>
-            <a:r>
-              <a:rPr lang="en-US" sz="2000" dirty="0">
-                <a:latin typeface="Times New Roman" panose="02020603050405020304" pitchFamily="18" charset="0"/>
-                <a:ea typeface="Times New Roman" panose="02020603050405020304" pitchFamily="18" charset="0"/>
-              </a:rPr>
-              <a:t>;</a:t>
-            </a:r>
-            <a:endParaRPr lang="ru-RU" sz="2000" dirty="0">
-              <a:latin typeface="Times New Roman" panose="02020603050405020304" pitchFamily="18" charset="0"/>
-              <a:ea typeface="Times New Roman" panose="02020603050405020304" pitchFamily="18" charset="0"/>
-            </a:endParaRPr>
-          </a:p>
-          <a:p>
-            <a:pPr marL="342900" lvl="0" indent="-342900" algn="just">
-              <a:lnSpc>
-                <a:spcPct val="150000"/>
-              </a:lnSpc>
-              <a:spcAft>
-                <a:spcPts val="1000"/>
-              </a:spcAft>
-              <a:buFont typeface="Symbol" panose="05050102010706020507" pitchFamily="18" charset="2"/>
-              <a:buChar char=""/>
-            </a:pPr>
-            <a:r>
-              <a:rPr lang="ru-RU" sz="2000" dirty="0">
-                <a:latin typeface="Times New Roman" panose="02020603050405020304" pitchFamily="18" charset="0"/>
-                <a:ea typeface="Times New Roman" panose="02020603050405020304" pitchFamily="18" charset="0"/>
-              </a:rPr>
-              <a:t>Удаление категории</a:t>
-            </a:r>
-            <a:r>
-              <a:rPr lang="en-US" sz="2000" dirty="0">
-                <a:latin typeface="Times New Roman" panose="02020603050405020304" pitchFamily="18" charset="0"/>
-                <a:ea typeface="Times New Roman" panose="02020603050405020304" pitchFamily="18" charset="0"/>
-              </a:rPr>
-              <a:t>.</a:t>
-            </a:r>
-          </a:p>
-          <a:p>
-            <a:pPr lvl="0" algn="just">
-              <a:lnSpc>
-                <a:spcPct val="150000"/>
-              </a:lnSpc>
-              <a:spcAft>
-                <a:spcPts val="0"/>
-              </a:spcAft>
-            </a:pPr>
-            <a:endParaRPr lang="ru-RU" sz="2800" dirty="0">
-              <a:latin typeface="Times New Roman" panose="02020603050405020304" pitchFamily="18" charset="0"/>
-              <a:ea typeface="Times New Roman" panose="02020603050405020304" pitchFamily="18" charset="0"/>
-            </a:endParaRPr>
-          </a:p>
-        </p:txBody>
-      </p:sp>
+      </p:pic>
     </p:spTree>
     <p:extLst>
       <p:ext uri="{BB962C8B-B14F-4D97-AF65-F5344CB8AC3E}">
-        <p14:creationId xmlns:p14="http://schemas.microsoft.com/office/powerpoint/2010/main" val="1834063824"/>
+        <p14:creationId xmlns:p14="http://schemas.microsoft.com/office/powerpoint/2010/main" val="2218887"/>
       </p:ext>
     </p:extLst>
   </p:cSld>
